--- a/Document/Git.pptx
+++ b/Document/Git.pptx
@@ -207,7 +207,7 @@
           <a:p>
             <a:fld id="{970110F3-F376-4563-9670-EF067BD2C1FA}" type="datetimeFigureOut">
               <a:rPr kumimoji="1" lang="ja-JP" altLang="en-US" smtClean="0"/>
-              <a:t>2013/4/30</a:t>
+              <a:t>2013/5/7</a:t>
             </a:fld>
             <a:endParaRPr kumimoji="1" lang="ja-JP" altLang="en-US"/>
           </a:p>
@@ -792,7 +792,7 @@
           <a:graphicData uri="http://schemas.openxmlformats.org/presentationml/2006/ole">
             <mc:AlternateContent xmlns:mc="http://schemas.openxmlformats.org/markup-compatibility/2006">
               <mc:Choice xmlns:v="urn:schemas-microsoft-com:vml" Requires="v">
-                <p:oleObj spid="_x0000_s2051" name="Image" r:id="rId3" imgW="1054340" imgH="4930462" progId="Photoshop.Image.5">
+                <p:oleObj spid="_x0000_s2053" name="Image" r:id="rId3" imgW="1054340" imgH="4930462" progId="Photoshop.Image.5">
                   <p:embed/>
                 </p:oleObj>
               </mc:Choice>
@@ -961,7 +961,7 @@
           <a:p>
             <a:fld id="{E90ED720-0104-4369-84BC-D37694168613}" type="datetimeFigureOut">
               <a:rPr kumimoji="1" lang="ja-JP" altLang="en-US" smtClean="0"/>
-              <a:t>2013/4/30</a:t>
+              <a:t>2013/5/7</a:t>
             </a:fld>
             <a:endParaRPr kumimoji="1" lang="ja-JP" altLang="en-US"/>
           </a:p>
@@ -1180,7 +1180,7 @@
           <a:p>
             <a:fld id="{E90ED720-0104-4369-84BC-D37694168613}" type="datetimeFigureOut">
               <a:rPr kumimoji="1" lang="ja-JP" altLang="en-US" smtClean="0"/>
-              <a:t>2013/4/30</a:t>
+              <a:t>2013/5/7</a:t>
             </a:fld>
             <a:endParaRPr kumimoji="1" lang="ja-JP" altLang="en-US"/>
           </a:p>
@@ -1404,7 +1404,7 @@
           <a:p>
             <a:fld id="{E90ED720-0104-4369-84BC-D37694168613}" type="datetimeFigureOut">
               <a:rPr kumimoji="1" lang="ja-JP" altLang="en-US" smtClean="0"/>
-              <a:t>2013/4/30</a:t>
+              <a:t>2013/5/7</a:t>
             </a:fld>
             <a:endParaRPr kumimoji="1" lang="ja-JP" altLang="en-US"/>
           </a:p>
@@ -1618,7 +1618,7 @@
           <a:p>
             <a:fld id="{E90ED720-0104-4369-84BC-D37694168613}" type="datetimeFigureOut">
               <a:rPr kumimoji="1" lang="ja-JP" altLang="en-US" smtClean="0"/>
-              <a:t>2013/4/30</a:t>
+              <a:t>2013/5/7</a:t>
             </a:fld>
             <a:endParaRPr kumimoji="1" lang="ja-JP" altLang="en-US"/>
           </a:p>
@@ -1822,7 +1822,7 @@
           <a:p>
             <a:fld id="{E90ED720-0104-4369-84BC-D37694168613}" type="datetimeFigureOut">
               <a:rPr kumimoji="1" lang="ja-JP" altLang="en-US" smtClean="0"/>
-              <a:t>2013/4/30</a:t>
+              <a:t>2013/5/7</a:t>
             </a:fld>
             <a:endParaRPr kumimoji="1" lang="ja-JP" altLang="en-US"/>
           </a:p>
@@ -2186,7 +2186,7 @@
           <a:p>
             <a:fld id="{E90ED720-0104-4369-84BC-D37694168613}" type="datetimeFigureOut">
               <a:rPr kumimoji="1" lang="ja-JP" altLang="en-US" smtClean="0"/>
-              <a:t>2013/4/30</a:t>
+              <a:t>2013/5/7</a:t>
             </a:fld>
             <a:endParaRPr kumimoji="1" lang="ja-JP" altLang="en-US"/>
           </a:p>
@@ -2689,7 +2689,7 @@
           <a:p>
             <a:fld id="{E90ED720-0104-4369-84BC-D37694168613}" type="datetimeFigureOut">
               <a:rPr kumimoji="1" lang="ja-JP" altLang="en-US" smtClean="0"/>
-              <a:t>2013/4/30</a:t>
+              <a:t>2013/5/7</a:t>
             </a:fld>
             <a:endParaRPr kumimoji="1" lang="ja-JP" altLang="en-US"/>
           </a:p>
@@ -2819,7 +2819,7 @@
           <a:p>
             <a:fld id="{E90ED720-0104-4369-84BC-D37694168613}" type="datetimeFigureOut">
               <a:rPr kumimoji="1" lang="ja-JP" altLang="en-US" smtClean="0"/>
-              <a:t>2013/4/30</a:t>
+              <a:t>2013/5/7</a:t>
             </a:fld>
             <a:endParaRPr kumimoji="1" lang="ja-JP" altLang="en-US"/>
           </a:p>
@@ -2926,7 +2926,7 @@
           <a:p>
             <a:fld id="{E90ED720-0104-4369-84BC-D37694168613}" type="datetimeFigureOut">
               <a:rPr kumimoji="1" lang="ja-JP" altLang="en-US" smtClean="0"/>
-              <a:t>2013/4/30</a:t>
+              <a:t>2013/5/7</a:t>
             </a:fld>
             <a:endParaRPr kumimoji="1" lang="ja-JP" altLang="en-US"/>
           </a:p>
@@ -3247,7 +3247,7 @@
           <a:p>
             <a:fld id="{E90ED720-0104-4369-84BC-D37694168613}" type="datetimeFigureOut">
               <a:rPr kumimoji="1" lang="ja-JP" altLang="en-US" smtClean="0"/>
-              <a:t>2013/4/30</a:t>
+              <a:t>2013/5/7</a:t>
             </a:fld>
             <a:endParaRPr kumimoji="1" lang="ja-JP" altLang="en-US"/>
           </a:p>
@@ -3516,7 +3516,7 @@
           <a:p>
             <a:fld id="{E90ED720-0104-4369-84BC-D37694168613}" type="datetimeFigureOut">
               <a:rPr kumimoji="1" lang="ja-JP" altLang="en-US" smtClean="0"/>
-              <a:t>2013/4/30</a:t>
+              <a:t>2013/5/7</a:t>
             </a:fld>
             <a:endParaRPr kumimoji="1" lang="ja-JP" altLang="en-US"/>
           </a:p>
@@ -3626,7 +3626,7 @@
           <a:graphicData uri="http://schemas.openxmlformats.org/presentationml/2006/ole">
             <mc:AlternateContent xmlns:mc="http://schemas.openxmlformats.org/markup-compatibility/2006">
               <mc:Choice xmlns:v="urn:schemas-microsoft-com:vml" Requires="v">
-                <p:oleObj spid="_x0000_s1027" name="Image" r:id="rId14" imgW="1054340" imgH="4930462" progId="Photoshop.Image.5">
+                <p:oleObj spid="_x0000_s1029" name="Image" r:id="rId14" imgW="1054340" imgH="4930462" progId="Photoshop.Image.5">
                   <p:embed/>
                 </p:oleObj>
               </mc:Choice>
@@ -3965,7 +3965,7 @@
           <a:p>
             <a:fld id="{E90ED720-0104-4369-84BC-D37694168613}" type="datetimeFigureOut">
               <a:rPr kumimoji="1" lang="ja-JP" altLang="en-US" smtClean="0"/>
-              <a:t>2013/4/30</a:t>
+              <a:t>2013/5/7</a:t>
             </a:fld>
             <a:endParaRPr kumimoji="1" lang="ja-JP" altLang="en-US"/>
           </a:p>
@@ -4566,12 +4566,38 @@
             <p:ph type="subTitle" idx="1"/>
           </p:nvPr>
         </p:nvSpPr>
-        <p:spPr/>
+        <p:spPr>
+          <a:xfrm>
+            <a:off x="1657350" y="5229200"/>
+            <a:ext cx="6400800" cy="409600"/>
+          </a:xfrm>
+        </p:spPr>
         <p:txBody>
           <a:bodyPr/>
           <a:lstStyle/>
           <a:p>
-            <a:endParaRPr kumimoji="1" lang="ja-JP" altLang="en-US" dirty="0"/>
+            <a:pPr algn="r" fontAlgn="b"/>
+            <a:r>
+              <a:rPr lang="ja-JP" altLang="en-US" sz="1200" b="1" dirty="0"/>
+              <a:t>参考</a:t>
+            </a:r>
+            <a:r>
+              <a:rPr kumimoji="1" lang="en-US" altLang="ja-JP" sz="1200" b="1" dirty="0" smtClean="0"/>
+              <a:t>:</a:t>
+            </a:r>
+            <a:r>
+              <a:rPr lang="en-US" altLang="ja-JP" sz="1200" dirty="0" smtClean="0">
+                <a:hlinkClick r:id="rId3"/>
+              </a:rPr>
+              <a:t>http</a:t>
+            </a:r>
+            <a:r>
+              <a:rPr lang="en-US" altLang="ja-JP" sz="1200" dirty="0">
+                <a:hlinkClick r:id="rId3"/>
+              </a:rPr>
+              <a:t>://www.t-pot.com/program/151_Git/index.html</a:t>
+            </a:r>
+            <a:endParaRPr kumimoji="1" lang="ja-JP" altLang="en-US" sz="1200" dirty="0"/>
           </a:p>
         </p:txBody>
       </p:sp>
@@ -4880,6 +4906,13 @@
   <p:clrMapOvr>
     <a:masterClrMapping/>
   </p:clrMapOvr>
+  <p:timing>
+    <p:tnLst>
+      <p:par>
+        <p:cTn id="1" dur="indefinite" restart="never" nodeType="tmRoot"/>
+      </p:par>
+    </p:tnLst>
+  </p:timing>
 </p:sld>
 </file>
 
@@ -4900,27 +4933,986 @@
           <a:chExt cx="0" cy="0"/>
         </a:xfrm>
       </p:grpSpPr>
-      <p:sp>
-        <p:nvSpPr>
-          <p:cNvPr id="3" name="コンテンツ プレースホルダー 2"/>
-          <p:cNvSpPr>
-            <a:spLocks noGrp="1"/>
-          </p:cNvSpPr>
-          <p:nvPr>
-            <p:ph idx="1"/>
-          </p:nvPr>
-        </p:nvSpPr>
+      <p:cxnSp>
+        <p:nvCxnSpPr>
+          <p:cNvPr id="8" name="直線矢印コネクタ 7"/>
+          <p:cNvCxnSpPr/>
+          <p:nvPr/>
+        </p:nvCxnSpPr>
         <p:spPr>
           <a:xfrm>
-            <a:off x="1258888" y="260648"/>
-            <a:ext cx="7427912" cy="5865515"/>
+            <a:off x="1907704" y="5229200"/>
+            <a:ext cx="6038731" cy="0"/>
           </a:xfrm>
+          <a:prstGeom prst="straightConnector1">
+            <a:avLst/>
+          </a:prstGeom>
+          <a:ln w="76200">
+            <a:solidFill>
+              <a:srgbClr val="00B0F0"/>
+            </a:solidFill>
+            <a:tailEnd type="none"/>
+          </a:ln>
         </p:spPr>
-        <p:txBody>
-          <a:bodyPr/>
+        <p:style>
+          <a:lnRef idx="1">
+            <a:schemeClr val="accent1"/>
+          </a:lnRef>
+          <a:fillRef idx="0">
+            <a:schemeClr val="accent1"/>
+          </a:fillRef>
+          <a:effectRef idx="0">
+            <a:schemeClr val="accent1"/>
+          </a:effectRef>
+          <a:fontRef idx="minor">
+            <a:schemeClr val="tx1"/>
+          </a:fontRef>
+        </p:style>
+      </p:cxnSp>
+      <p:cxnSp>
+        <p:nvCxnSpPr>
+          <p:cNvPr id="9" name="直線矢印コネクタ 8"/>
+          <p:cNvCxnSpPr/>
+          <p:nvPr/>
+        </p:nvCxnSpPr>
+        <p:spPr>
+          <a:xfrm flipH="1">
+            <a:off x="1907705" y="3501008"/>
+            <a:ext cx="6038730" cy="0"/>
+          </a:xfrm>
+          <a:prstGeom prst="straightConnector1">
+            <a:avLst/>
+          </a:prstGeom>
+          <a:ln w="76200">
+            <a:solidFill>
+              <a:srgbClr val="00B0F0"/>
+            </a:solidFill>
+            <a:tailEnd type="none"/>
+          </a:ln>
+        </p:spPr>
+        <p:style>
+          <a:lnRef idx="1">
+            <a:schemeClr val="accent1"/>
+          </a:lnRef>
+          <a:fillRef idx="0">
+            <a:schemeClr val="accent1"/>
+          </a:fillRef>
+          <a:effectRef idx="0">
+            <a:schemeClr val="accent1"/>
+          </a:effectRef>
+          <a:fontRef idx="minor">
+            <a:schemeClr val="tx1"/>
+          </a:fontRef>
+        </p:style>
+      </p:cxnSp>
+      <p:cxnSp>
+        <p:nvCxnSpPr>
+          <p:cNvPr id="10" name="直線矢印コネクタ 9"/>
+          <p:cNvCxnSpPr/>
+          <p:nvPr/>
+        </p:nvCxnSpPr>
+        <p:spPr>
+          <a:xfrm>
+            <a:off x="1907704" y="1916832"/>
+            <a:ext cx="5995325" cy="0"/>
+          </a:xfrm>
+          <a:prstGeom prst="straightConnector1">
+            <a:avLst/>
+          </a:prstGeom>
+          <a:ln w="76200">
+            <a:solidFill>
+              <a:srgbClr val="00B0F0"/>
+            </a:solidFill>
+            <a:tailEnd type="none"/>
+          </a:ln>
+        </p:spPr>
+        <p:style>
+          <a:lnRef idx="1">
+            <a:schemeClr val="accent1"/>
+          </a:lnRef>
+          <a:fillRef idx="0">
+            <a:schemeClr val="accent1"/>
+          </a:fillRef>
+          <a:effectRef idx="0">
+            <a:schemeClr val="accent1"/>
+          </a:effectRef>
+          <a:fontRef idx="minor">
+            <a:schemeClr val="tx1"/>
+          </a:fontRef>
+        </p:style>
+      </p:cxnSp>
+      <p:sp>
+        <p:nvSpPr>
+          <p:cNvPr id="11" name="テキスト ボックス 10"/>
+          <p:cNvSpPr txBox="1"/>
+          <p:nvPr/>
+        </p:nvSpPr>
+        <p:spPr>
+          <a:xfrm>
+            <a:off x="8028384" y="3313605"/>
+            <a:ext cx="1008112" cy="369332"/>
+          </a:xfrm>
+          <a:prstGeom prst="rect">
+            <a:avLst/>
+          </a:prstGeom>
+          <a:noFill/>
+        </p:spPr>
+        <p:txBody>
+          <a:bodyPr wrap="square" rtlCol="0">
+            <a:spAutoFit/>
+          </a:bodyPr>
           <a:lstStyle/>
           <a:p>
+            <a:r>
+              <a:rPr kumimoji="1" lang="en-US" altLang="ja-JP" dirty="0" smtClean="0"/>
+              <a:t>master</a:t>
+            </a:r>
             <a:endParaRPr kumimoji="1" lang="ja-JP" altLang="en-US" dirty="0"/>
+          </a:p>
+        </p:txBody>
+      </p:sp>
+      <p:sp>
+        <p:nvSpPr>
+          <p:cNvPr id="12" name="テキスト ボックス 11"/>
+          <p:cNvSpPr txBox="1"/>
+          <p:nvPr/>
+        </p:nvSpPr>
+        <p:spPr>
+          <a:xfrm>
+            <a:off x="8028384" y="5044534"/>
+            <a:ext cx="902811" cy="369332"/>
+          </a:xfrm>
+          <a:prstGeom prst="rect">
+            <a:avLst/>
+          </a:prstGeom>
+          <a:noFill/>
+        </p:spPr>
+        <p:txBody>
+          <a:bodyPr wrap="none" rtlCol="0">
+            <a:spAutoFit/>
+          </a:bodyPr>
+          <a:lstStyle/>
+          <a:p>
+            <a:r>
+              <a:rPr lang="en-US" altLang="ja-JP" dirty="0" smtClean="0"/>
+              <a:t>r</a:t>
+            </a:r>
+            <a:r>
+              <a:rPr kumimoji="1" lang="en-US" altLang="ja-JP" dirty="0" smtClean="0"/>
+              <a:t>emote</a:t>
+            </a:r>
+          </a:p>
+        </p:txBody>
+      </p:sp>
+      <p:sp>
+        <p:nvSpPr>
+          <p:cNvPr id="13" name="テキスト ボックス 12"/>
+          <p:cNvSpPr txBox="1"/>
+          <p:nvPr/>
+        </p:nvSpPr>
+        <p:spPr>
+          <a:xfrm>
+            <a:off x="7947292" y="1732166"/>
+            <a:ext cx="792088" cy="369332"/>
+          </a:xfrm>
+          <a:prstGeom prst="rect">
+            <a:avLst/>
+          </a:prstGeom>
+          <a:noFill/>
+        </p:spPr>
+        <p:txBody>
+          <a:bodyPr wrap="square" rtlCol="0">
+            <a:spAutoFit/>
+          </a:bodyPr>
+          <a:lstStyle/>
+          <a:p>
+            <a:r>
+              <a:rPr kumimoji="1" lang="en-US" altLang="ja-JP" dirty="0" smtClean="0"/>
+              <a:t>Work</a:t>
+            </a:r>
+            <a:endParaRPr kumimoji="1" lang="ja-JP" altLang="en-US" dirty="0"/>
+          </a:p>
+        </p:txBody>
+      </p:sp>
+      <p:sp>
+        <p:nvSpPr>
+          <p:cNvPr id="40" name="テキスト ボックス 39"/>
+          <p:cNvSpPr txBox="1"/>
+          <p:nvPr/>
+        </p:nvSpPr>
+        <p:spPr>
+          <a:xfrm>
+            <a:off x="2201719" y="4293096"/>
+            <a:ext cx="864096" cy="369332"/>
+          </a:xfrm>
+          <a:prstGeom prst="rect">
+            <a:avLst/>
+          </a:prstGeom>
+          <a:noFill/>
+        </p:spPr>
+        <p:txBody>
+          <a:bodyPr wrap="square" rtlCol="0">
+            <a:spAutoFit/>
+          </a:bodyPr>
+          <a:lstStyle/>
+          <a:p>
+            <a:r>
+              <a:rPr kumimoji="1" lang="en-US" altLang="ja-JP" dirty="0" smtClean="0">
+                <a:solidFill>
+                  <a:srgbClr val="00B050"/>
+                </a:solidFill>
+              </a:rPr>
+              <a:t>Clone</a:t>
+            </a:r>
+            <a:endParaRPr kumimoji="1" lang="ja-JP" altLang="en-US" dirty="0">
+              <a:solidFill>
+                <a:srgbClr val="00B050"/>
+              </a:solidFill>
+            </a:endParaRPr>
+          </a:p>
+        </p:txBody>
+      </p:sp>
+      <p:sp>
+        <p:nvSpPr>
+          <p:cNvPr id="43" name="テキスト ボックス 42"/>
+          <p:cNvSpPr txBox="1"/>
+          <p:nvPr/>
+        </p:nvSpPr>
+        <p:spPr>
+          <a:xfrm>
+            <a:off x="1583668" y="2355545"/>
+            <a:ext cx="1008112" cy="369332"/>
+          </a:xfrm>
+          <a:prstGeom prst="rect">
+            <a:avLst/>
+          </a:prstGeom>
+          <a:noFill/>
+        </p:spPr>
+        <p:txBody>
+          <a:bodyPr wrap="square" rtlCol="0">
+            <a:spAutoFit/>
+          </a:bodyPr>
+          <a:lstStyle/>
+          <a:p>
+            <a:r>
+              <a:rPr kumimoji="1" lang="en-US" altLang="ja-JP" dirty="0" smtClean="0">
+                <a:solidFill>
+                  <a:srgbClr val="00B050"/>
+                </a:solidFill>
+              </a:rPr>
+              <a:t>Brunch</a:t>
+            </a:r>
+            <a:endParaRPr kumimoji="1" lang="ja-JP" altLang="en-US" dirty="0">
+              <a:solidFill>
+                <a:srgbClr val="00B050"/>
+              </a:solidFill>
+            </a:endParaRPr>
+          </a:p>
+        </p:txBody>
+      </p:sp>
+      <p:cxnSp>
+        <p:nvCxnSpPr>
+          <p:cNvPr id="45" name="直線コネクタ 44"/>
+          <p:cNvCxnSpPr/>
+          <p:nvPr/>
+        </p:nvCxnSpPr>
+        <p:spPr>
+          <a:xfrm>
+            <a:off x="2915816" y="1052736"/>
+            <a:ext cx="0" cy="4680520"/>
+          </a:xfrm>
+          <a:prstGeom prst="line">
+            <a:avLst/>
+          </a:prstGeom>
+          <a:ln>
+            <a:solidFill>
+              <a:schemeClr val="tx1"/>
+            </a:solidFill>
+          </a:ln>
+        </p:spPr>
+        <p:style>
+          <a:lnRef idx="1">
+            <a:schemeClr val="accent1"/>
+          </a:lnRef>
+          <a:fillRef idx="0">
+            <a:schemeClr val="accent1"/>
+          </a:fillRef>
+          <a:effectRef idx="0">
+            <a:schemeClr val="accent1"/>
+          </a:effectRef>
+          <a:fontRef idx="minor">
+            <a:schemeClr val="tx1"/>
+          </a:fontRef>
+        </p:style>
+      </p:cxnSp>
+      <p:cxnSp>
+        <p:nvCxnSpPr>
+          <p:cNvPr id="46" name="直線コネクタ 45"/>
+          <p:cNvCxnSpPr/>
+          <p:nvPr/>
+        </p:nvCxnSpPr>
+        <p:spPr>
+          <a:xfrm>
+            <a:off x="7236296" y="1160748"/>
+            <a:ext cx="0" cy="4680520"/>
+          </a:xfrm>
+          <a:prstGeom prst="line">
+            <a:avLst/>
+          </a:prstGeom>
+          <a:ln>
+            <a:solidFill>
+              <a:schemeClr val="tx1"/>
+            </a:solidFill>
+          </a:ln>
+        </p:spPr>
+        <p:style>
+          <a:lnRef idx="1">
+            <a:schemeClr val="accent1"/>
+          </a:lnRef>
+          <a:fillRef idx="0">
+            <a:schemeClr val="accent1"/>
+          </a:fillRef>
+          <a:effectRef idx="0">
+            <a:schemeClr val="accent1"/>
+          </a:effectRef>
+          <a:fontRef idx="minor">
+            <a:schemeClr val="tx1"/>
+          </a:fontRef>
+        </p:style>
+      </p:cxnSp>
+      <p:cxnSp>
+        <p:nvCxnSpPr>
+          <p:cNvPr id="52" name="直線矢印コネクタ 51"/>
+          <p:cNvCxnSpPr/>
+          <p:nvPr/>
+        </p:nvCxnSpPr>
+        <p:spPr>
+          <a:xfrm>
+            <a:off x="4750543" y="1916832"/>
+            <a:ext cx="360040" cy="1591719"/>
+          </a:xfrm>
+          <a:prstGeom prst="straightConnector1">
+            <a:avLst/>
+          </a:prstGeom>
+          <a:ln w="44450">
+            <a:solidFill>
+              <a:srgbClr val="FF0000"/>
+            </a:solidFill>
+            <a:tailEnd type="arrow"/>
+          </a:ln>
+        </p:spPr>
+        <p:style>
+          <a:lnRef idx="1">
+            <a:schemeClr val="accent1"/>
+          </a:lnRef>
+          <a:fillRef idx="0">
+            <a:schemeClr val="accent1"/>
+          </a:fillRef>
+          <a:effectRef idx="0">
+            <a:schemeClr val="accent1"/>
+          </a:effectRef>
+          <a:fontRef idx="minor">
+            <a:schemeClr val="tx1"/>
+          </a:fontRef>
+        </p:style>
+      </p:cxnSp>
+      <p:sp>
+        <p:nvSpPr>
+          <p:cNvPr id="54" name="テキスト ボックス 53"/>
+          <p:cNvSpPr txBox="1"/>
+          <p:nvPr/>
+        </p:nvSpPr>
+        <p:spPr>
+          <a:xfrm>
+            <a:off x="4126565" y="3709079"/>
+            <a:ext cx="576064" cy="369332"/>
+          </a:xfrm>
+          <a:prstGeom prst="rect">
+            <a:avLst/>
+          </a:prstGeom>
+          <a:noFill/>
+        </p:spPr>
+        <p:txBody>
+          <a:bodyPr wrap="square" rtlCol="0">
+            <a:spAutoFit/>
+          </a:bodyPr>
+          <a:lstStyle/>
+          <a:p>
+            <a:r>
+              <a:rPr kumimoji="1" lang="en-US" altLang="ja-JP" dirty="0" smtClean="0">
+                <a:solidFill>
+                  <a:srgbClr val="00B050"/>
+                </a:solidFill>
+              </a:rPr>
+              <a:t>Pull</a:t>
+            </a:r>
+            <a:endParaRPr kumimoji="1" lang="ja-JP" altLang="en-US" dirty="0">
+              <a:solidFill>
+                <a:srgbClr val="00B050"/>
+              </a:solidFill>
+            </a:endParaRPr>
+          </a:p>
+        </p:txBody>
+      </p:sp>
+      <p:sp>
+        <p:nvSpPr>
+          <p:cNvPr id="55" name="テキスト ボックス 54"/>
+          <p:cNvSpPr txBox="1"/>
+          <p:nvPr/>
+        </p:nvSpPr>
+        <p:spPr>
+          <a:xfrm>
+            <a:off x="4246487" y="2947010"/>
+            <a:ext cx="1008112" cy="369332"/>
+          </a:xfrm>
+          <a:prstGeom prst="rect">
+            <a:avLst/>
+          </a:prstGeom>
+          <a:noFill/>
+        </p:spPr>
+        <p:txBody>
+          <a:bodyPr wrap="square" rtlCol="0">
+            <a:spAutoFit/>
+          </a:bodyPr>
+          <a:lstStyle/>
+          <a:p>
+            <a:r>
+              <a:rPr kumimoji="1" lang="en-US" altLang="ja-JP" dirty="0" smtClean="0">
+                <a:solidFill>
+                  <a:srgbClr val="00B050"/>
+                </a:solidFill>
+              </a:rPr>
+              <a:t>Merge</a:t>
+            </a:r>
+            <a:endParaRPr kumimoji="1" lang="ja-JP" altLang="en-US" dirty="0">
+              <a:solidFill>
+                <a:srgbClr val="00B050"/>
+              </a:solidFill>
+            </a:endParaRPr>
+          </a:p>
+        </p:txBody>
+      </p:sp>
+      <p:sp>
+        <p:nvSpPr>
+          <p:cNvPr id="58" name="テキスト ボックス 57"/>
+          <p:cNvSpPr txBox="1"/>
+          <p:nvPr/>
+        </p:nvSpPr>
+        <p:spPr>
+          <a:xfrm>
+            <a:off x="4865946" y="3708268"/>
+            <a:ext cx="720080" cy="369332"/>
+          </a:xfrm>
+          <a:prstGeom prst="rect">
+            <a:avLst/>
+          </a:prstGeom>
+          <a:noFill/>
+        </p:spPr>
+        <p:txBody>
+          <a:bodyPr wrap="square" rtlCol="0">
+            <a:spAutoFit/>
+          </a:bodyPr>
+          <a:lstStyle/>
+          <a:p>
+            <a:r>
+              <a:rPr kumimoji="1" lang="en-US" altLang="ja-JP" dirty="0" smtClean="0">
+                <a:solidFill>
+                  <a:srgbClr val="00B050"/>
+                </a:solidFill>
+              </a:rPr>
+              <a:t>Push</a:t>
+            </a:r>
+            <a:endParaRPr kumimoji="1" lang="ja-JP" altLang="en-US" dirty="0">
+              <a:solidFill>
+                <a:srgbClr val="00B050"/>
+              </a:solidFill>
+            </a:endParaRPr>
+          </a:p>
+        </p:txBody>
+      </p:sp>
+      <p:sp>
+        <p:nvSpPr>
+          <p:cNvPr id="61" name="テキスト ボックス 60"/>
+          <p:cNvSpPr txBox="1"/>
+          <p:nvPr/>
+        </p:nvSpPr>
+        <p:spPr>
+          <a:xfrm>
+            <a:off x="5834185" y="2973474"/>
+            <a:ext cx="936104" cy="369332"/>
+          </a:xfrm>
+          <a:prstGeom prst="rect">
+            <a:avLst/>
+          </a:prstGeom>
+          <a:noFill/>
+        </p:spPr>
+        <p:txBody>
+          <a:bodyPr wrap="square" rtlCol="0">
+            <a:spAutoFit/>
+          </a:bodyPr>
+          <a:lstStyle/>
+          <a:p>
+            <a:r>
+              <a:rPr kumimoji="1" lang="en-US" altLang="ja-JP" dirty="0" smtClean="0">
+                <a:solidFill>
+                  <a:srgbClr val="00B050"/>
+                </a:solidFill>
+              </a:rPr>
+              <a:t>Merge</a:t>
+            </a:r>
+            <a:endParaRPr kumimoji="1" lang="ja-JP" altLang="en-US" dirty="0">
+              <a:solidFill>
+                <a:srgbClr val="00B050"/>
+              </a:solidFill>
+            </a:endParaRPr>
+          </a:p>
+        </p:txBody>
+      </p:sp>
+      <p:cxnSp>
+        <p:nvCxnSpPr>
+          <p:cNvPr id="65" name="直線矢印コネクタ 64"/>
+          <p:cNvCxnSpPr/>
+          <p:nvPr/>
+        </p:nvCxnSpPr>
+        <p:spPr>
+          <a:xfrm flipV="1">
+            <a:off x="2411760" y="1916832"/>
+            <a:ext cx="360040" cy="1584176"/>
+          </a:xfrm>
+          <a:prstGeom prst="straightConnector1">
+            <a:avLst/>
+          </a:prstGeom>
+          <a:ln w="44450">
+            <a:solidFill>
+              <a:srgbClr val="FF0000"/>
+            </a:solidFill>
+            <a:tailEnd type="arrow"/>
+          </a:ln>
+        </p:spPr>
+        <p:style>
+          <a:lnRef idx="1">
+            <a:schemeClr val="accent1"/>
+          </a:lnRef>
+          <a:fillRef idx="0">
+            <a:schemeClr val="accent1"/>
+          </a:fillRef>
+          <a:effectRef idx="0">
+            <a:schemeClr val="accent1"/>
+          </a:effectRef>
+          <a:fontRef idx="minor">
+            <a:schemeClr val="tx1"/>
+          </a:fontRef>
+        </p:style>
+      </p:cxnSp>
+      <p:cxnSp>
+        <p:nvCxnSpPr>
+          <p:cNvPr id="67" name="直線矢印コネクタ 66"/>
+          <p:cNvCxnSpPr/>
+          <p:nvPr/>
+        </p:nvCxnSpPr>
+        <p:spPr>
+          <a:xfrm flipV="1">
+            <a:off x="4259231" y="3520113"/>
+            <a:ext cx="498073" cy="1728192"/>
+          </a:xfrm>
+          <a:prstGeom prst="straightConnector1">
+            <a:avLst/>
+          </a:prstGeom>
+          <a:ln w="44450">
+            <a:solidFill>
+              <a:srgbClr val="FF0000"/>
+            </a:solidFill>
+            <a:tailEnd type="arrow"/>
+          </a:ln>
+        </p:spPr>
+        <p:style>
+          <a:lnRef idx="1">
+            <a:schemeClr val="accent1"/>
+          </a:lnRef>
+          <a:fillRef idx="0">
+            <a:schemeClr val="accent1"/>
+          </a:fillRef>
+          <a:effectRef idx="0">
+            <a:schemeClr val="accent1"/>
+          </a:effectRef>
+          <a:fontRef idx="minor">
+            <a:schemeClr val="tx1"/>
+          </a:fontRef>
+        </p:style>
+      </p:cxnSp>
+      <p:cxnSp>
+        <p:nvCxnSpPr>
+          <p:cNvPr id="68" name="直線矢印コネクタ 67"/>
+          <p:cNvCxnSpPr/>
+          <p:nvPr/>
+        </p:nvCxnSpPr>
+        <p:spPr>
+          <a:xfrm>
+            <a:off x="5489220" y="3520113"/>
+            <a:ext cx="393294" cy="1709087"/>
+          </a:xfrm>
+          <a:prstGeom prst="straightConnector1">
+            <a:avLst/>
+          </a:prstGeom>
+          <a:ln w="44450">
+            <a:solidFill>
+              <a:srgbClr val="FF0000"/>
+            </a:solidFill>
+            <a:tailEnd type="arrow"/>
+          </a:ln>
+        </p:spPr>
+        <p:style>
+          <a:lnRef idx="1">
+            <a:schemeClr val="accent1"/>
+          </a:lnRef>
+          <a:fillRef idx="0">
+            <a:schemeClr val="accent1"/>
+          </a:fillRef>
+          <a:effectRef idx="0">
+            <a:schemeClr val="accent1"/>
+          </a:effectRef>
+          <a:fontRef idx="minor">
+            <a:schemeClr val="tx1"/>
+          </a:fontRef>
+        </p:style>
+      </p:cxnSp>
+      <p:cxnSp>
+        <p:nvCxnSpPr>
+          <p:cNvPr id="69" name="直線矢印コネクタ 68"/>
+          <p:cNvCxnSpPr/>
+          <p:nvPr/>
+        </p:nvCxnSpPr>
+        <p:spPr>
+          <a:xfrm flipV="1">
+            <a:off x="6516216" y="1916832"/>
+            <a:ext cx="508147" cy="1584175"/>
+          </a:xfrm>
+          <a:prstGeom prst="straightConnector1">
+            <a:avLst/>
+          </a:prstGeom>
+          <a:ln w="44450">
+            <a:solidFill>
+              <a:srgbClr val="FF0000"/>
+            </a:solidFill>
+            <a:tailEnd type="arrow"/>
+          </a:ln>
+        </p:spPr>
+        <p:style>
+          <a:lnRef idx="1">
+            <a:schemeClr val="accent1"/>
+          </a:lnRef>
+          <a:fillRef idx="0">
+            <a:schemeClr val="accent1"/>
+          </a:fillRef>
+          <a:effectRef idx="0">
+            <a:schemeClr val="accent1"/>
+          </a:effectRef>
+          <a:fontRef idx="minor">
+            <a:schemeClr val="tx1"/>
+          </a:fontRef>
+        </p:style>
+      </p:cxnSp>
+      <p:cxnSp>
+        <p:nvCxnSpPr>
+          <p:cNvPr id="81" name="直線矢印コネクタ 80"/>
+          <p:cNvCxnSpPr/>
+          <p:nvPr/>
+        </p:nvCxnSpPr>
+        <p:spPr>
+          <a:xfrm>
+            <a:off x="4082942" y="1891777"/>
+            <a:ext cx="288032" cy="1591719"/>
+          </a:xfrm>
+          <a:prstGeom prst="straightConnector1">
+            <a:avLst/>
+          </a:prstGeom>
+          <a:ln>
+            <a:solidFill>
+              <a:srgbClr val="FF0000"/>
+            </a:solidFill>
+            <a:prstDash val="lgDash"/>
+            <a:tailEnd type="arrow"/>
+          </a:ln>
+        </p:spPr>
+        <p:style>
+          <a:lnRef idx="1">
+            <a:schemeClr val="accent1"/>
+          </a:lnRef>
+          <a:fillRef idx="0">
+            <a:schemeClr val="accent1"/>
+          </a:fillRef>
+          <a:effectRef idx="0">
+            <a:schemeClr val="accent1"/>
+          </a:effectRef>
+          <a:fontRef idx="minor">
+            <a:schemeClr val="tx1"/>
+          </a:fontRef>
+        </p:style>
+      </p:cxnSp>
+      <p:sp>
+        <p:nvSpPr>
+          <p:cNvPr id="83" name="テキスト ボックス 82"/>
+          <p:cNvSpPr txBox="1"/>
+          <p:nvPr/>
+        </p:nvSpPr>
+        <p:spPr>
+          <a:xfrm>
+            <a:off x="3705572" y="2494045"/>
+            <a:ext cx="591623" cy="230832"/>
+          </a:xfrm>
+          <a:prstGeom prst="rect">
+            <a:avLst/>
+          </a:prstGeom>
+          <a:noFill/>
+        </p:spPr>
+        <p:txBody>
+          <a:bodyPr wrap="square" rtlCol="0">
+            <a:spAutoFit/>
+          </a:bodyPr>
+          <a:lstStyle/>
+          <a:p>
+            <a:r>
+              <a:rPr kumimoji="1" lang="en-US" altLang="ja-JP" sz="900" dirty="0" smtClean="0"/>
+              <a:t>Switch</a:t>
+            </a:r>
+            <a:endParaRPr kumimoji="1" lang="ja-JP" altLang="en-US" sz="900" dirty="0"/>
+          </a:p>
+        </p:txBody>
+      </p:sp>
+      <p:cxnSp>
+        <p:nvCxnSpPr>
+          <p:cNvPr id="84" name="直線矢印コネクタ 83"/>
+          <p:cNvCxnSpPr/>
+          <p:nvPr/>
+        </p:nvCxnSpPr>
+        <p:spPr>
+          <a:xfrm flipV="1">
+            <a:off x="5724128" y="1933349"/>
+            <a:ext cx="436133" cy="1566664"/>
+          </a:xfrm>
+          <a:prstGeom prst="straightConnector1">
+            <a:avLst/>
+          </a:prstGeom>
+          <a:ln>
+            <a:solidFill>
+              <a:srgbClr val="FF0000"/>
+            </a:solidFill>
+            <a:prstDash val="lgDash"/>
+            <a:tailEnd type="arrow"/>
+          </a:ln>
+        </p:spPr>
+        <p:style>
+          <a:lnRef idx="1">
+            <a:schemeClr val="accent1"/>
+          </a:lnRef>
+          <a:fillRef idx="0">
+            <a:schemeClr val="accent1"/>
+          </a:fillRef>
+          <a:effectRef idx="0">
+            <a:schemeClr val="accent1"/>
+          </a:effectRef>
+          <a:fontRef idx="minor">
+            <a:schemeClr val="tx1"/>
+          </a:fontRef>
+        </p:style>
+      </p:cxnSp>
+      <p:sp>
+        <p:nvSpPr>
+          <p:cNvPr id="87" name="テキスト ボックス 86"/>
+          <p:cNvSpPr txBox="1"/>
+          <p:nvPr/>
+        </p:nvSpPr>
+        <p:spPr>
+          <a:xfrm>
+            <a:off x="5563759" y="2425704"/>
+            <a:ext cx="540851" cy="230832"/>
+          </a:xfrm>
+          <a:prstGeom prst="rect">
+            <a:avLst/>
+          </a:prstGeom>
+          <a:noFill/>
+        </p:spPr>
+        <p:txBody>
+          <a:bodyPr wrap="square" rtlCol="0">
+            <a:spAutoFit/>
+          </a:bodyPr>
+          <a:lstStyle/>
+          <a:p>
+            <a:r>
+              <a:rPr kumimoji="1" lang="en-US" altLang="ja-JP" sz="900" dirty="0" smtClean="0"/>
+              <a:t>Switch</a:t>
+            </a:r>
+            <a:endParaRPr kumimoji="1" lang="ja-JP" altLang="en-US" sz="900" dirty="0"/>
+          </a:p>
+        </p:txBody>
+      </p:sp>
+      <p:cxnSp>
+        <p:nvCxnSpPr>
+          <p:cNvPr id="66" name="直線矢印コネクタ 65"/>
+          <p:cNvCxnSpPr/>
+          <p:nvPr/>
+        </p:nvCxnSpPr>
+        <p:spPr>
+          <a:xfrm flipV="1">
+            <a:off x="2051720" y="3501008"/>
+            <a:ext cx="360040" cy="1728192"/>
+          </a:xfrm>
+          <a:prstGeom prst="straightConnector1">
+            <a:avLst/>
+          </a:prstGeom>
+          <a:ln w="44450">
+            <a:solidFill>
+              <a:srgbClr val="FF0000"/>
+            </a:solidFill>
+            <a:tailEnd type="arrow"/>
+          </a:ln>
+        </p:spPr>
+        <p:style>
+          <a:lnRef idx="1">
+            <a:schemeClr val="accent1"/>
+          </a:lnRef>
+          <a:fillRef idx="0">
+            <a:schemeClr val="accent1"/>
+          </a:fillRef>
+          <a:effectRef idx="0">
+            <a:schemeClr val="accent1"/>
+          </a:effectRef>
+          <a:fontRef idx="minor">
+            <a:schemeClr val="tx1"/>
+          </a:fontRef>
+        </p:style>
+      </p:cxnSp>
+      <p:cxnSp>
+        <p:nvCxnSpPr>
+          <p:cNvPr id="90" name="直線矢印コネクタ 89"/>
+          <p:cNvCxnSpPr/>
+          <p:nvPr/>
+        </p:nvCxnSpPr>
+        <p:spPr>
+          <a:xfrm>
+            <a:off x="2987824" y="1916832"/>
+            <a:ext cx="1013559" cy="16517"/>
+          </a:xfrm>
+          <a:prstGeom prst="straightConnector1">
+            <a:avLst/>
+          </a:prstGeom>
+          <a:ln w="44450">
+            <a:solidFill>
+              <a:srgbClr val="FF0000"/>
+            </a:solidFill>
+            <a:prstDash val="lgDashDotDot"/>
+            <a:tailEnd type="arrow"/>
+          </a:ln>
+        </p:spPr>
+        <p:style>
+          <a:lnRef idx="1">
+            <a:schemeClr val="accent1"/>
+          </a:lnRef>
+          <a:fillRef idx="0">
+            <a:schemeClr val="accent1"/>
+          </a:fillRef>
+          <a:effectRef idx="0">
+            <a:schemeClr val="accent1"/>
+          </a:effectRef>
+          <a:fontRef idx="minor">
+            <a:schemeClr val="tx1"/>
+          </a:fontRef>
+        </p:style>
+      </p:cxnSp>
+      <p:sp>
+        <p:nvSpPr>
+          <p:cNvPr id="93" name="テキスト ボックス 92"/>
+          <p:cNvSpPr txBox="1"/>
+          <p:nvPr/>
+        </p:nvSpPr>
+        <p:spPr>
+          <a:xfrm>
+            <a:off x="3203848" y="1645556"/>
+            <a:ext cx="720080" cy="246221"/>
+          </a:xfrm>
+          <a:prstGeom prst="rect">
+            <a:avLst/>
+          </a:prstGeom>
+          <a:noFill/>
+        </p:spPr>
+        <p:txBody>
+          <a:bodyPr wrap="square" rtlCol="0">
+            <a:spAutoFit/>
+          </a:bodyPr>
+          <a:lstStyle/>
+          <a:p>
+            <a:r>
+              <a:rPr kumimoji="1" lang="ja-JP" altLang="en-US" sz="1000" dirty="0" smtClean="0"/>
+              <a:t>実装作業</a:t>
+            </a:r>
+            <a:endParaRPr kumimoji="1" lang="ja-JP" altLang="en-US" sz="1000" dirty="0"/>
+          </a:p>
+        </p:txBody>
+      </p:sp>
+      <p:cxnSp>
+        <p:nvCxnSpPr>
+          <p:cNvPr id="102" name="直線矢印コネクタ 101"/>
+          <p:cNvCxnSpPr/>
+          <p:nvPr/>
+        </p:nvCxnSpPr>
+        <p:spPr>
+          <a:xfrm>
+            <a:off x="7132791" y="1916832"/>
+            <a:ext cx="720080" cy="0"/>
+          </a:xfrm>
+          <a:prstGeom prst="straightConnector1">
+            <a:avLst/>
+          </a:prstGeom>
+          <a:ln w="44450">
+            <a:solidFill>
+              <a:srgbClr val="FF0000"/>
+            </a:solidFill>
+            <a:prstDash val="lgDashDotDot"/>
+            <a:tailEnd type="arrow"/>
+          </a:ln>
+        </p:spPr>
+        <p:style>
+          <a:lnRef idx="1">
+            <a:schemeClr val="accent1"/>
+          </a:lnRef>
+          <a:fillRef idx="0">
+            <a:schemeClr val="accent1"/>
+          </a:fillRef>
+          <a:effectRef idx="0">
+            <a:schemeClr val="accent1"/>
+          </a:effectRef>
+          <a:fontRef idx="minor">
+            <a:schemeClr val="tx1"/>
+          </a:fontRef>
+        </p:style>
+      </p:cxnSp>
+      <p:sp>
+        <p:nvSpPr>
+          <p:cNvPr id="103" name="テキスト ボックス 102"/>
+          <p:cNvSpPr txBox="1"/>
+          <p:nvPr/>
+        </p:nvSpPr>
+        <p:spPr>
+          <a:xfrm>
+            <a:off x="7226355" y="1609053"/>
+            <a:ext cx="720080" cy="246221"/>
+          </a:xfrm>
+          <a:prstGeom prst="rect">
+            <a:avLst/>
+          </a:prstGeom>
+          <a:noFill/>
+        </p:spPr>
+        <p:txBody>
+          <a:bodyPr wrap="square" rtlCol="0">
+            <a:spAutoFit/>
+          </a:bodyPr>
+          <a:lstStyle/>
+          <a:p>
+            <a:r>
+              <a:rPr kumimoji="1" lang="ja-JP" altLang="en-US" sz="1000" dirty="0" smtClean="0"/>
+              <a:t>実装作業</a:t>
+            </a:r>
+            <a:endParaRPr kumimoji="1" lang="ja-JP" altLang="en-US" sz="1000" dirty="0"/>
           </a:p>
         </p:txBody>
       </p:sp>
@@ -4934,6 +5926,13 @@
   <p:clrMapOvr>
     <a:masterClrMapping/>
   </p:clrMapOvr>
+  <p:timing>
+    <p:tnLst>
+      <p:par>
+        <p:cTn id="1" dur="indefinite" restart="never" nodeType="tmRoot"/>
+      </p:par>
+    </p:tnLst>
+  </p:timing>
 </p:sld>
 </file>
 
@@ -5157,7 +6156,34 @@
       </a:bgFillStyleLst>
     </a:fmtScheme>
   </a:themeElements>
-  <a:objectDefaults/>
+  <a:objectDefaults>
+    <a:lnDef>
+      <a:spPr>
+        <a:ln>
+          <a:solidFill>
+            <a:srgbClr val="FF0000"/>
+          </a:solidFill>
+          <a:tailEnd type="arrow"/>
+        </a:ln>
+      </a:spPr>
+      <a:bodyPr/>
+      <a:lstStyle/>
+      <a:style>
+        <a:lnRef idx="1">
+          <a:schemeClr val="accent1"/>
+        </a:lnRef>
+        <a:fillRef idx="0">
+          <a:schemeClr val="accent1"/>
+        </a:fillRef>
+        <a:effectRef idx="0">
+          <a:schemeClr val="accent1"/>
+        </a:effectRef>
+        <a:fontRef idx="minor">
+          <a:schemeClr val="tx1"/>
+        </a:fontRef>
+      </a:style>
+    </a:lnDef>
+  </a:objectDefaults>
   <a:extraClrSchemeLst>
     <a:extraClrScheme>
       <a:clrScheme name="pot06 1">

--- a/Document/Git.pptx
+++ b/Document/Git.pptx
@@ -207,7 +207,7 @@
           <a:p>
             <a:fld id="{970110F3-F376-4563-9670-EF067BD2C1FA}" type="datetimeFigureOut">
               <a:rPr kumimoji="1" lang="ja-JP" altLang="en-US" smtClean="0"/>
-              <a:t>2013/5/7</a:t>
+              <a:t>2013/5/10</a:t>
             </a:fld>
             <a:endParaRPr kumimoji="1" lang="ja-JP" altLang="en-US"/>
           </a:p>
@@ -792,7 +792,7 @@
           <a:graphicData uri="http://schemas.openxmlformats.org/presentationml/2006/ole">
             <mc:AlternateContent xmlns:mc="http://schemas.openxmlformats.org/markup-compatibility/2006">
               <mc:Choice xmlns:v="urn:schemas-microsoft-com:vml" Requires="v">
-                <p:oleObj spid="_x0000_s2053" name="Image" r:id="rId3" imgW="1054340" imgH="4930462" progId="Photoshop.Image.5">
+                <p:oleObj spid="_x0000_s2056" name="Image" r:id="rId3" imgW="1054340" imgH="4930462" progId="Photoshop.Image.5">
                   <p:embed/>
                 </p:oleObj>
               </mc:Choice>
@@ -961,7 +961,7 @@
           <a:p>
             <a:fld id="{E90ED720-0104-4369-84BC-D37694168613}" type="datetimeFigureOut">
               <a:rPr kumimoji="1" lang="ja-JP" altLang="en-US" smtClean="0"/>
-              <a:t>2013/5/7</a:t>
+              <a:t>2013/5/10</a:t>
             </a:fld>
             <a:endParaRPr kumimoji="1" lang="ja-JP" altLang="en-US"/>
           </a:p>
@@ -1180,7 +1180,7 @@
           <a:p>
             <a:fld id="{E90ED720-0104-4369-84BC-D37694168613}" type="datetimeFigureOut">
               <a:rPr kumimoji="1" lang="ja-JP" altLang="en-US" smtClean="0"/>
-              <a:t>2013/5/7</a:t>
+              <a:t>2013/5/10</a:t>
             </a:fld>
             <a:endParaRPr kumimoji="1" lang="ja-JP" altLang="en-US"/>
           </a:p>
@@ -1404,7 +1404,7 @@
           <a:p>
             <a:fld id="{E90ED720-0104-4369-84BC-D37694168613}" type="datetimeFigureOut">
               <a:rPr kumimoji="1" lang="ja-JP" altLang="en-US" smtClean="0"/>
-              <a:t>2013/5/7</a:t>
+              <a:t>2013/5/10</a:t>
             </a:fld>
             <a:endParaRPr kumimoji="1" lang="ja-JP" altLang="en-US"/>
           </a:p>
@@ -1618,7 +1618,7 @@
           <a:p>
             <a:fld id="{E90ED720-0104-4369-84BC-D37694168613}" type="datetimeFigureOut">
               <a:rPr kumimoji="1" lang="ja-JP" altLang="en-US" smtClean="0"/>
-              <a:t>2013/5/7</a:t>
+              <a:t>2013/5/10</a:t>
             </a:fld>
             <a:endParaRPr kumimoji="1" lang="ja-JP" altLang="en-US"/>
           </a:p>
@@ -1822,7 +1822,7 @@
           <a:p>
             <a:fld id="{E90ED720-0104-4369-84BC-D37694168613}" type="datetimeFigureOut">
               <a:rPr kumimoji="1" lang="ja-JP" altLang="en-US" smtClean="0"/>
-              <a:t>2013/5/7</a:t>
+              <a:t>2013/5/10</a:t>
             </a:fld>
             <a:endParaRPr kumimoji="1" lang="ja-JP" altLang="en-US"/>
           </a:p>
@@ -2186,7 +2186,7 @@
           <a:p>
             <a:fld id="{E90ED720-0104-4369-84BC-D37694168613}" type="datetimeFigureOut">
               <a:rPr kumimoji="1" lang="ja-JP" altLang="en-US" smtClean="0"/>
-              <a:t>2013/5/7</a:t>
+              <a:t>2013/5/10</a:t>
             </a:fld>
             <a:endParaRPr kumimoji="1" lang="ja-JP" altLang="en-US"/>
           </a:p>
@@ -2689,7 +2689,7 @@
           <a:p>
             <a:fld id="{E90ED720-0104-4369-84BC-D37694168613}" type="datetimeFigureOut">
               <a:rPr kumimoji="1" lang="ja-JP" altLang="en-US" smtClean="0"/>
-              <a:t>2013/5/7</a:t>
+              <a:t>2013/5/10</a:t>
             </a:fld>
             <a:endParaRPr kumimoji="1" lang="ja-JP" altLang="en-US"/>
           </a:p>
@@ -2819,7 +2819,7 @@
           <a:p>
             <a:fld id="{E90ED720-0104-4369-84BC-D37694168613}" type="datetimeFigureOut">
               <a:rPr kumimoji="1" lang="ja-JP" altLang="en-US" smtClean="0"/>
-              <a:t>2013/5/7</a:t>
+              <a:t>2013/5/10</a:t>
             </a:fld>
             <a:endParaRPr kumimoji="1" lang="ja-JP" altLang="en-US"/>
           </a:p>
@@ -2926,7 +2926,7 @@
           <a:p>
             <a:fld id="{E90ED720-0104-4369-84BC-D37694168613}" type="datetimeFigureOut">
               <a:rPr kumimoji="1" lang="ja-JP" altLang="en-US" smtClean="0"/>
-              <a:t>2013/5/7</a:t>
+              <a:t>2013/5/10</a:t>
             </a:fld>
             <a:endParaRPr kumimoji="1" lang="ja-JP" altLang="en-US"/>
           </a:p>
@@ -3247,7 +3247,7 @@
           <a:p>
             <a:fld id="{E90ED720-0104-4369-84BC-D37694168613}" type="datetimeFigureOut">
               <a:rPr kumimoji="1" lang="ja-JP" altLang="en-US" smtClean="0"/>
-              <a:t>2013/5/7</a:t>
+              <a:t>2013/5/10</a:t>
             </a:fld>
             <a:endParaRPr kumimoji="1" lang="ja-JP" altLang="en-US"/>
           </a:p>
@@ -3516,7 +3516,7 @@
           <a:p>
             <a:fld id="{E90ED720-0104-4369-84BC-D37694168613}" type="datetimeFigureOut">
               <a:rPr kumimoji="1" lang="ja-JP" altLang="en-US" smtClean="0"/>
-              <a:t>2013/5/7</a:t>
+              <a:t>2013/5/10</a:t>
             </a:fld>
             <a:endParaRPr kumimoji="1" lang="ja-JP" altLang="en-US"/>
           </a:p>
@@ -3626,7 +3626,7 @@
           <a:graphicData uri="http://schemas.openxmlformats.org/presentationml/2006/ole">
             <mc:AlternateContent xmlns:mc="http://schemas.openxmlformats.org/markup-compatibility/2006">
               <mc:Choice xmlns:v="urn:schemas-microsoft-com:vml" Requires="v">
-                <p:oleObj spid="_x0000_s1029" name="Image" r:id="rId14" imgW="1054340" imgH="4930462" progId="Photoshop.Image.5">
+                <p:oleObj spid="_x0000_s1032" name="Image" r:id="rId14" imgW="1054340" imgH="4930462" progId="Photoshop.Image.5">
                   <p:embed/>
                 </p:oleObj>
               </mc:Choice>
@@ -3965,7 +3965,7 @@
           <a:p>
             <a:fld id="{E90ED720-0104-4369-84BC-D37694168613}" type="datetimeFigureOut">
               <a:rPr kumimoji="1" lang="ja-JP" altLang="en-US" smtClean="0"/>
-              <a:t>2013/5/7</a:t>
+              <a:t>2013/5/10</a:t>
             </a:fld>
             <a:endParaRPr kumimoji="1" lang="ja-JP" altLang="en-US"/>
           </a:p>
@@ -4872,9 +4872,41 @@
               <a:rPr lang="en-US" altLang="ja-JP" sz="1800" dirty="0" smtClean="0"/>
               <a:t> </a:t>
             </a:r>
+            <a:endParaRPr lang="en-US" altLang="ja-JP" sz="1800" dirty="0"/>
+          </a:p>
+          <a:p>
+            <a:pPr marL="0" indent="0">
+              <a:buNone/>
+            </a:pPr>
             <a:r>
               <a:rPr lang="ja-JP" altLang="en-US" sz="1800" dirty="0" smtClean="0"/>
-              <a:t>して 作業</a:t>
+              <a:t>・</a:t>
+            </a:r>
+            <a:r>
+              <a:rPr lang="en-US" altLang="ja-JP" sz="1800" dirty="0" smtClean="0"/>
+              <a:t>Switch</a:t>
+            </a:r>
+            <a:r>
+              <a:rPr lang="ja-JP" altLang="en-US" sz="1800" dirty="0" smtClean="0"/>
+              <a:t>から</a:t>
+            </a:r>
+            <a:r>
+              <a:rPr lang="en-US" altLang="ja-JP" sz="1800" dirty="0" err="1" smtClean="0"/>
+              <a:t>WorkSpace</a:t>
+            </a:r>
+            <a:r>
+              <a:rPr lang="ja-JP" altLang="en-US" sz="1800" smtClean="0"/>
+              <a:t>へ</a:t>
+            </a:r>
+            <a:endParaRPr lang="en-US" altLang="ja-JP" sz="1800" dirty="0" smtClean="0"/>
+          </a:p>
+          <a:p>
+            <a:pPr marL="0" indent="0">
+              <a:buNone/>
+            </a:pPr>
+            <a:r>
+              <a:rPr lang="ja-JP" altLang="en-US" sz="1800" b="1" dirty="0"/>
+              <a:t>・</a:t>
             </a:r>
             <a:r>
               <a:rPr lang="en-US" altLang="ja-JP" sz="1800" b="1" dirty="0" smtClean="0"/>
@@ -4882,7 +4914,11 @@
             </a:r>
             <a:r>
               <a:rPr lang="ja-JP" altLang="en-US" sz="1800" dirty="0" smtClean="0"/>
-              <a:t> に </a:t>
+              <a:t> </a:t>
+            </a:r>
+            <a:r>
+              <a:rPr lang="ja-JP" altLang="en-US" sz="1800" dirty="0" smtClean="0"/>
+              <a:t>に </a:t>
             </a:r>
             <a:r>
               <a:rPr lang="en-US" altLang="ja-JP" sz="1800" b="1" dirty="0" smtClean="0"/>
